--- a/KOSS TASK(ROUND 2).pptx
+++ b/KOSS TASK(ROUND 2).pptx
@@ -7,14 +7,15 @@
   <p:sldIdLst>
     <p:sldId id="256" r:id="rId2"/>
     <p:sldId id="267" r:id="rId3"/>
-    <p:sldId id="257" r:id="rId4"/>
-    <p:sldId id="261" r:id="rId5"/>
-    <p:sldId id="264" r:id="rId6"/>
-    <p:sldId id="263" r:id="rId7"/>
-    <p:sldId id="266" r:id="rId8"/>
-    <p:sldId id="262" r:id="rId9"/>
-    <p:sldId id="258" r:id="rId10"/>
-    <p:sldId id="268" r:id="rId11"/>
+    <p:sldId id="269" r:id="rId4"/>
+    <p:sldId id="257" r:id="rId5"/>
+    <p:sldId id="261" r:id="rId6"/>
+    <p:sldId id="264" r:id="rId7"/>
+    <p:sldId id="263" r:id="rId8"/>
+    <p:sldId id="266" r:id="rId9"/>
+    <p:sldId id="262" r:id="rId10"/>
+    <p:sldId id="258" r:id="rId11"/>
+    <p:sldId id="268" r:id="rId12"/>
   </p:sldIdLst>
   <p:sldSz cx="12192000" cy="6858000"/>
   <p:notesSz cx="6858000" cy="9144000"/>
@@ -113,6 +114,11 @@
       </a:defRPr>
     </a:lvl9pPr>
   </p:defaultTextStyle>
+  <p:extLst>
+    <p:ext uri="{EFAFB233-063F-42B5-8137-9DF3F51BA10A}">
+      <p15:sldGuideLst xmlns:p15="http://schemas.microsoft.com/office/powerpoint/2012/main"/>
+    </p:ext>
+  </p:extLst>
 </p:presentation>
 </file>
 
@@ -265,7 +271,7 @@
           <a:p>
             <a:fld id="{1D5C1D38-5172-4F07-ADF4-6A0ABC555899}" type="datetimeFigureOut">
               <a:rPr lang="en-IN" smtClean="0"/>
-              <a:t>22-05-2023</a:t>
+              <a:t>23-05-2023</a:t>
             </a:fld>
             <a:endParaRPr lang="en-IN"/>
           </a:p>
@@ -465,7 +471,7 @@
           <a:p>
             <a:fld id="{1D5C1D38-5172-4F07-ADF4-6A0ABC555899}" type="datetimeFigureOut">
               <a:rPr lang="en-IN" smtClean="0"/>
-              <a:t>22-05-2023</a:t>
+              <a:t>23-05-2023</a:t>
             </a:fld>
             <a:endParaRPr lang="en-IN"/>
           </a:p>
@@ -675,7 +681,7 @@
           <a:p>
             <a:fld id="{1D5C1D38-5172-4F07-ADF4-6A0ABC555899}" type="datetimeFigureOut">
               <a:rPr lang="en-IN" smtClean="0"/>
-              <a:t>22-05-2023</a:t>
+              <a:t>23-05-2023</a:t>
             </a:fld>
             <a:endParaRPr lang="en-IN"/>
           </a:p>
@@ -875,7 +881,7 @@
           <a:p>
             <a:fld id="{1D5C1D38-5172-4F07-ADF4-6A0ABC555899}" type="datetimeFigureOut">
               <a:rPr lang="en-IN" smtClean="0"/>
-              <a:t>22-05-2023</a:t>
+              <a:t>23-05-2023</a:t>
             </a:fld>
             <a:endParaRPr lang="en-IN"/>
           </a:p>
@@ -1151,7 +1157,7 @@
           <a:p>
             <a:fld id="{1D5C1D38-5172-4F07-ADF4-6A0ABC555899}" type="datetimeFigureOut">
               <a:rPr lang="en-IN" smtClean="0"/>
-              <a:t>22-05-2023</a:t>
+              <a:t>23-05-2023</a:t>
             </a:fld>
             <a:endParaRPr lang="en-IN"/>
           </a:p>
@@ -1419,7 +1425,7 @@
           <a:p>
             <a:fld id="{1D5C1D38-5172-4F07-ADF4-6A0ABC555899}" type="datetimeFigureOut">
               <a:rPr lang="en-IN" smtClean="0"/>
-              <a:t>22-05-2023</a:t>
+              <a:t>23-05-2023</a:t>
             </a:fld>
             <a:endParaRPr lang="en-IN"/>
           </a:p>
@@ -1834,7 +1840,7 @@
           <a:p>
             <a:fld id="{1D5C1D38-5172-4F07-ADF4-6A0ABC555899}" type="datetimeFigureOut">
               <a:rPr lang="en-IN" smtClean="0"/>
-              <a:t>22-05-2023</a:t>
+              <a:t>23-05-2023</a:t>
             </a:fld>
             <a:endParaRPr lang="en-IN"/>
           </a:p>
@@ -1976,7 +1982,7 @@
           <a:p>
             <a:fld id="{1D5C1D38-5172-4F07-ADF4-6A0ABC555899}" type="datetimeFigureOut">
               <a:rPr lang="en-IN" smtClean="0"/>
-              <a:t>22-05-2023</a:t>
+              <a:t>23-05-2023</a:t>
             </a:fld>
             <a:endParaRPr lang="en-IN"/>
           </a:p>
@@ -2089,7 +2095,7 @@
           <a:p>
             <a:fld id="{1D5C1D38-5172-4F07-ADF4-6A0ABC555899}" type="datetimeFigureOut">
               <a:rPr lang="en-IN" smtClean="0"/>
-              <a:t>22-05-2023</a:t>
+              <a:t>23-05-2023</a:t>
             </a:fld>
             <a:endParaRPr lang="en-IN"/>
           </a:p>
@@ -2402,7 +2408,7 @@
           <a:p>
             <a:fld id="{1D5C1D38-5172-4F07-ADF4-6A0ABC555899}" type="datetimeFigureOut">
               <a:rPr lang="en-IN" smtClean="0"/>
-              <a:t>22-05-2023</a:t>
+              <a:t>23-05-2023</a:t>
             </a:fld>
             <a:endParaRPr lang="en-IN"/>
           </a:p>
@@ -2691,7 +2697,7 @@
           <a:p>
             <a:fld id="{1D5C1D38-5172-4F07-ADF4-6A0ABC555899}" type="datetimeFigureOut">
               <a:rPr lang="en-IN" smtClean="0"/>
-              <a:t>22-05-2023</a:t>
+              <a:t>23-05-2023</a:t>
             </a:fld>
             <a:endParaRPr lang="en-IN"/>
           </a:p>
@@ -2934,7 +2940,7 @@
           <a:p>
             <a:fld id="{1D5C1D38-5172-4F07-ADF4-6A0ABC555899}" type="datetimeFigureOut">
               <a:rPr lang="en-IN" smtClean="0"/>
-              <a:t>22-05-2023</a:t>
+              <a:t>23-05-2023</a:t>
             </a:fld>
             <a:endParaRPr lang="en-IN"/>
           </a:p>
@@ -3448,6 +3454,129 @@
           <p:cNvPr id="2" name="Title 1">
             <a:extLst>
               <a:ext uri="{FF2B5EF4-FFF2-40B4-BE49-F238E27FC236}">
+                <a16:creationId xmlns:a16="http://schemas.microsoft.com/office/drawing/2014/main" id="{D43A1D77-BC14-446C-ADCE-B797BAAD74F5}"/>
+              </a:ext>
+            </a:extLst>
+          </p:cNvPr>
+          <p:cNvSpPr>
+            <a:spLocks noGrp="1"/>
+          </p:cNvSpPr>
+          <p:nvPr>
+            <p:ph type="title"/>
+          </p:nvPr>
+        </p:nvSpPr>
+        <p:spPr/>
+        <p:txBody>
+          <a:bodyPr/>
+          <a:lstStyle/>
+          <a:p>
+            <a:r>
+              <a:rPr lang="en-IN" dirty="0"/>
+              <a:t>7.GIT CHERRY-PICK</a:t>
+            </a:r>
+          </a:p>
+        </p:txBody>
+      </p:sp>
+      <p:sp>
+        <p:nvSpPr>
+          <p:cNvPr id="3" name="Content Placeholder 2">
+            <a:extLst>
+              <a:ext uri="{FF2B5EF4-FFF2-40B4-BE49-F238E27FC236}">
+                <a16:creationId xmlns:a16="http://schemas.microsoft.com/office/drawing/2014/main" id="{A5027128-2E97-4EB5-A207-1EF23E411C02}"/>
+              </a:ext>
+            </a:extLst>
+          </p:cNvPr>
+          <p:cNvSpPr>
+            <a:spLocks noGrp="1"/>
+          </p:cNvSpPr>
+          <p:nvPr>
+            <p:ph idx="1"/>
+          </p:nvPr>
+        </p:nvSpPr>
+        <p:spPr/>
+        <p:txBody>
+          <a:bodyPr/>
+          <a:lstStyle/>
+          <a:p>
+            <a:r>
+              <a:rPr lang="en-US" dirty="0"/>
+              <a:t>git cherry-pick is a powerful command that enables arbitrary Git commits to be picked by reference and appended to the current working HEAD. Cherry picking is the act of picking a commit from a branch and applying it to another. git cherry-pick can be useful for undoing changes.</a:t>
+            </a:r>
+            <a:endParaRPr lang="en-IN" dirty="0"/>
+          </a:p>
+        </p:txBody>
+      </p:sp>
+      <p:pic>
+        <p:nvPicPr>
+          <p:cNvPr id="5" name="Picture 4">
+            <a:extLst>
+              <a:ext uri="{FF2B5EF4-FFF2-40B4-BE49-F238E27FC236}">
+                <a16:creationId xmlns:a16="http://schemas.microsoft.com/office/drawing/2014/main" id="{1008A632-6107-4D88-9A83-B3CE4DE93247}"/>
+              </a:ext>
+            </a:extLst>
+          </p:cNvPr>
+          <p:cNvPicPr>
+            <a:picLocks noChangeAspect="1"/>
+          </p:cNvPicPr>
+          <p:nvPr/>
+        </p:nvPicPr>
+        <p:blipFill>
+          <a:blip r:embed="rId2">
+            <a:extLst>
+              <a:ext uri="{28A0092B-C50C-407E-A947-70E740481C1C}">
+                <a14:useLocalDpi xmlns:a14="http://schemas.microsoft.com/office/drawing/2010/main" val="0"/>
+              </a:ext>
+            </a:extLst>
+          </a:blip>
+          <a:stretch>
+            <a:fillRect/>
+          </a:stretch>
+        </p:blipFill>
+        <p:spPr>
+          <a:xfrm>
+            <a:off x="4052047" y="3693459"/>
+            <a:ext cx="5829299" cy="2914650"/>
+          </a:xfrm>
+          <a:prstGeom prst="rect">
+            <a:avLst/>
+          </a:prstGeom>
+        </p:spPr>
+      </p:pic>
+    </p:spTree>
+    <p:extLst>
+      <p:ext uri="{BB962C8B-B14F-4D97-AF65-F5344CB8AC3E}">
+        <p14:creationId xmlns:p14="http://schemas.microsoft.com/office/powerpoint/2010/main" val="94113559"/>
+      </p:ext>
+    </p:extLst>
+  </p:cSld>
+  <p:clrMapOvr>
+    <a:masterClrMapping/>
+  </p:clrMapOvr>
+</p:sld>
+</file>
+
+<file path=ppt/slides/slide11.xml><?xml version="1.0" encoding="utf-8"?>
+<p:sld xmlns:a="http://schemas.openxmlformats.org/drawingml/2006/main" xmlns:r="http://schemas.openxmlformats.org/officeDocument/2006/relationships" xmlns:p="http://schemas.openxmlformats.org/presentationml/2006/main">
+  <p:cSld>
+    <p:spTree>
+      <p:nvGrpSpPr>
+        <p:cNvPr id="1" name=""/>
+        <p:cNvGrpSpPr/>
+        <p:nvPr/>
+      </p:nvGrpSpPr>
+      <p:grpSpPr>
+        <a:xfrm>
+          <a:off x="0" y="0"/>
+          <a:ext cx="0" cy="0"/>
+          <a:chOff x="0" y="0"/>
+          <a:chExt cx="0" cy="0"/>
+        </a:xfrm>
+      </p:grpSpPr>
+      <p:sp>
+        <p:nvSpPr>
+          <p:cNvPr id="2" name="Title 1">
+            <a:extLst>
+              <a:ext uri="{FF2B5EF4-FFF2-40B4-BE49-F238E27FC236}">
                 <a16:creationId xmlns:a16="http://schemas.microsoft.com/office/drawing/2014/main" id="{ECCD9377-B852-4EAB-B44F-04B06ED3D90B}"/>
               </a:ext>
             </a:extLst>
@@ -3462,7 +3591,7 @@
         <p:spPr>
           <a:xfrm>
             <a:off x="838200" y="365125"/>
-            <a:ext cx="10515600" cy="1329204"/>
+            <a:ext cx="10515600" cy="5811838"/>
           </a:xfrm>
         </p:spPr>
         <p:txBody>
@@ -3660,6 +3789,105 @@
           <p:cNvPr id="2" name="Title 1">
             <a:extLst>
               <a:ext uri="{FF2B5EF4-FFF2-40B4-BE49-F238E27FC236}">
+                <a16:creationId xmlns:a16="http://schemas.microsoft.com/office/drawing/2014/main" id="{4C694059-2309-40FC-BEFE-27575225060B}"/>
+              </a:ext>
+            </a:extLst>
+          </p:cNvPr>
+          <p:cNvSpPr>
+            <a:spLocks noGrp="1"/>
+          </p:cNvSpPr>
+          <p:nvPr>
+            <p:ph type="title"/>
+          </p:nvPr>
+        </p:nvSpPr>
+        <p:spPr>
+          <a:xfrm>
+            <a:off x="838200" y="365126"/>
+            <a:ext cx="10515600" cy="836146"/>
+          </a:xfrm>
+        </p:spPr>
+        <p:txBody>
+          <a:bodyPr/>
+          <a:lstStyle/>
+          <a:p>
+            <a:pPr algn="ctr"/>
+            <a:r>
+              <a:rPr lang="en-IN" dirty="0"/>
+              <a:t>SOME GIT CONCEPTS</a:t>
+            </a:r>
+          </a:p>
+        </p:txBody>
+      </p:sp>
+      <p:pic>
+        <p:nvPicPr>
+          <p:cNvPr id="5" name="Content Placeholder 4">
+            <a:extLst>
+              <a:ext uri="{FF2B5EF4-FFF2-40B4-BE49-F238E27FC236}">
+                <a16:creationId xmlns:a16="http://schemas.microsoft.com/office/drawing/2014/main" id="{D2CFD386-2792-4A6E-9F35-1A540C59F882}"/>
+              </a:ext>
+            </a:extLst>
+          </p:cNvPr>
+          <p:cNvPicPr>
+            <a:picLocks noGrp="1" noChangeAspect="1"/>
+          </p:cNvPicPr>
+          <p:nvPr>
+            <p:ph idx="1"/>
+          </p:nvPr>
+        </p:nvPicPr>
+        <p:blipFill>
+          <a:blip r:embed="rId2">
+            <a:extLst>
+              <a:ext uri="{28A0092B-C50C-407E-A947-70E740481C1C}">
+                <a14:useLocalDpi xmlns:a14="http://schemas.microsoft.com/office/drawing/2010/main" val="0"/>
+              </a:ext>
+            </a:extLst>
+          </a:blip>
+          <a:stretch>
+            <a:fillRect/>
+          </a:stretch>
+        </p:blipFill>
+        <p:spPr>
+          <a:xfrm>
+            <a:off x="7391" y="0"/>
+            <a:ext cx="12184609" cy="6858000"/>
+          </a:xfrm>
+        </p:spPr>
+      </p:pic>
+    </p:spTree>
+    <p:extLst>
+      <p:ext uri="{BB962C8B-B14F-4D97-AF65-F5344CB8AC3E}">
+        <p14:creationId xmlns:p14="http://schemas.microsoft.com/office/powerpoint/2010/main" val="534825429"/>
+      </p:ext>
+    </p:extLst>
+  </p:cSld>
+  <p:clrMapOvr>
+    <a:masterClrMapping/>
+  </p:clrMapOvr>
+</p:sld>
+</file>
+
+<file path=ppt/slides/slide4.xml><?xml version="1.0" encoding="utf-8"?>
+<p:sld xmlns:a="http://schemas.openxmlformats.org/drawingml/2006/main" xmlns:r="http://schemas.openxmlformats.org/officeDocument/2006/relationships" xmlns:p="http://schemas.openxmlformats.org/presentationml/2006/main">
+  <p:cSld>
+    <p:spTree>
+      <p:nvGrpSpPr>
+        <p:cNvPr id="1" name=""/>
+        <p:cNvGrpSpPr/>
+        <p:nvPr/>
+      </p:nvGrpSpPr>
+      <p:grpSpPr>
+        <a:xfrm>
+          <a:off x="0" y="0"/>
+          <a:ext cx="0" cy="0"/>
+          <a:chOff x="0" y="0"/>
+          <a:chExt cx="0" cy="0"/>
+        </a:xfrm>
+      </p:grpSpPr>
+      <p:sp>
+        <p:nvSpPr>
+          <p:cNvPr id="2" name="Title 1">
+            <a:extLst>
+              <a:ext uri="{FF2B5EF4-FFF2-40B4-BE49-F238E27FC236}">
                 <a16:creationId xmlns:a16="http://schemas.microsoft.com/office/drawing/2014/main" id="{966ECD2A-2462-4787-B1E6-3BBFEDC8BA63}"/>
               </a:ext>
             </a:extLst>
@@ -3678,7 +3906,7 @@
           <a:p>
             <a:r>
               <a:rPr lang="en-IN" dirty="0"/>
-              <a:t>GIT STASH</a:t>
+              <a:t>1.GIT STASH</a:t>
             </a:r>
           </a:p>
         </p:txBody>
@@ -3775,93 +4003,6 @@
 </p:sld>
 </file>
 
-<file path=ppt/slides/slide4.xml><?xml version="1.0" encoding="utf-8"?>
-<p:sld xmlns:a="http://schemas.openxmlformats.org/drawingml/2006/main" xmlns:r="http://schemas.openxmlformats.org/officeDocument/2006/relationships" xmlns:p="http://schemas.openxmlformats.org/presentationml/2006/main">
-  <p:cSld>
-    <p:spTree>
-      <p:nvGrpSpPr>
-        <p:cNvPr id="1" name=""/>
-        <p:cNvGrpSpPr/>
-        <p:nvPr/>
-      </p:nvGrpSpPr>
-      <p:grpSpPr>
-        <a:xfrm>
-          <a:off x="0" y="0"/>
-          <a:ext cx="0" cy="0"/>
-          <a:chOff x="0" y="0"/>
-          <a:chExt cx="0" cy="0"/>
-        </a:xfrm>
-      </p:grpSpPr>
-      <p:sp>
-        <p:nvSpPr>
-          <p:cNvPr id="2" name="Title 1">
-            <a:extLst>
-              <a:ext uri="{FF2B5EF4-FFF2-40B4-BE49-F238E27FC236}">
-                <a16:creationId xmlns:a16="http://schemas.microsoft.com/office/drawing/2014/main" id="{6C9CE8AE-0A4C-47D4-9A73-FBF494960202}"/>
-              </a:ext>
-            </a:extLst>
-          </p:cNvPr>
-          <p:cNvSpPr>
-            <a:spLocks noGrp="1"/>
-          </p:cNvSpPr>
-          <p:nvPr>
-            <p:ph type="title"/>
-          </p:nvPr>
-        </p:nvSpPr>
-        <p:spPr/>
-        <p:txBody>
-          <a:bodyPr/>
-          <a:lstStyle/>
-          <a:p>
-            <a:r>
-              <a:rPr lang="en-IN" dirty="0"/>
-              <a:t>GIT BISECT</a:t>
-            </a:r>
-          </a:p>
-        </p:txBody>
-      </p:sp>
-      <p:sp>
-        <p:nvSpPr>
-          <p:cNvPr id="3" name="Content Placeholder 2">
-            <a:extLst>
-              <a:ext uri="{FF2B5EF4-FFF2-40B4-BE49-F238E27FC236}">
-                <a16:creationId xmlns:a16="http://schemas.microsoft.com/office/drawing/2014/main" id="{DA184BFF-2829-481A-88CB-187A38F54ADB}"/>
-              </a:ext>
-            </a:extLst>
-          </p:cNvPr>
-          <p:cNvSpPr>
-            <a:spLocks noGrp="1"/>
-          </p:cNvSpPr>
-          <p:nvPr>
-            <p:ph idx="1"/>
-          </p:nvPr>
-        </p:nvSpPr>
-        <p:spPr/>
-        <p:txBody>
-          <a:bodyPr/>
-          <a:lstStyle/>
-          <a:p>
-            <a:r>
-              <a:rPr lang="en-US" dirty="0"/>
-              <a:t>The git bisect command is a powerful tool that quickly checks out a commit halfway between a known good state and a known bad state and then asks you to identify the commit as either good or bad. Then it repeats until you find the exact commit where the code in question was first introduced.</a:t>
-            </a:r>
-            <a:endParaRPr lang="en-IN" dirty="0"/>
-          </a:p>
-        </p:txBody>
-      </p:sp>
-    </p:spTree>
-    <p:extLst>
-      <p:ext uri="{BB962C8B-B14F-4D97-AF65-F5344CB8AC3E}">
-        <p14:creationId xmlns:p14="http://schemas.microsoft.com/office/powerpoint/2010/main" val="2296199004"/>
-      </p:ext>
-    </p:extLst>
-  </p:cSld>
-  <p:clrMapOvr>
-    <a:masterClrMapping/>
-  </p:clrMapOvr>
-</p:sld>
-</file>
-
 <file path=ppt/slides/slide5.xml><?xml version="1.0" encoding="utf-8"?>
 <p:sld xmlns:a="http://schemas.openxmlformats.org/drawingml/2006/main" xmlns:r="http://schemas.openxmlformats.org/officeDocument/2006/relationships" xmlns:p="http://schemas.openxmlformats.org/presentationml/2006/main">
   <p:cSld>
@@ -3884,7 +4025,7 @@
           <p:cNvPr id="2" name="Title 1">
             <a:extLst>
               <a:ext uri="{FF2B5EF4-FFF2-40B4-BE49-F238E27FC236}">
-                <a16:creationId xmlns:a16="http://schemas.microsoft.com/office/drawing/2014/main" id="{D875817D-9DEB-4B2A-879E-84530D130820}"/>
+                <a16:creationId xmlns:a16="http://schemas.microsoft.com/office/drawing/2014/main" id="{6C9CE8AE-0A4C-47D4-9A73-FBF494960202}"/>
               </a:ext>
             </a:extLst>
           </p:cNvPr>
@@ -3902,7 +4043,7 @@
           <a:p>
             <a:r>
               <a:rPr lang="en-IN" dirty="0"/>
-              <a:t>GIT REFLOGS</a:t>
+              <a:t>2.GIT BISECT</a:t>
             </a:r>
           </a:p>
         </p:txBody>
@@ -3912,7 +4053,7 @@
           <p:cNvPr id="3" name="Content Placeholder 2">
             <a:extLst>
               <a:ext uri="{FF2B5EF4-FFF2-40B4-BE49-F238E27FC236}">
-                <a16:creationId xmlns:a16="http://schemas.microsoft.com/office/drawing/2014/main" id="{E36A6AF2-7E6E-40C6-8B80-94DCB986EA00}"/>
+                <a16:creationId xmlns:a16="http://schemas.microsoft.com/office/drawing/2014/main" id="{DA184BFF-2829-481A-88CB-187A38F54ADB}"/>
               </a:ext>
             </a:extLst>
           </p:cNvPr>
@@ -3930,24 +4071,7 @@
           <a:p>
             <a:r>
               <a:rPr lang="en-US" dirty="0"/>
-              <a:t>Git keeps track of updates to the tip of branches using a mechanism called reference logs, or "</a:t>
-            </a:r>
-            <a:r>
-              <a:rPr lang="en-US" dirty="0" err="1"/>
-              <a:t>reflogs</a:t>
-            </a:r>
-            <a:r>
-              <a:rPr lang="en-US" dirty="0"/>
-              <a:t>." Many Git commands accept a parameter for specifying a reference or "ref", which is a pointer to a commit. Common examples include: git checkout.</a:t>
-            </a:r>
-          </a:p>
-          <a:p>
-            <a:endParaRPr lang="en-US" dirty="0"/>
-          </a:p>
-          <a:p>
-            <a:r>
-              <a:rPr lang="en-US" dirty="0"/>
-              <a:t>It gives us the track of our all commits made till now, then we can use it to move between them</a:t>
+              <a:t>The git bisect command is a powerful tool that quickly checks out a commit halfway between a known good state and a known bad state and then asks you to identify the commit as either good or bad. Then it repeats until you find the exact commit where the code in question was first introduced.</a:t>
             </a:r>
             <a:endParaRPr lang="en-IN" dirty="0"/>
           </a:p>
@@ -3956,7 +4080,7 @@
     </p:spTree>
     <p:extLst>
       <p:ext uri="{BB962C8B-B14F-4D97-AF65-F5344CB8AC3E}">
-        <p14:creationId xmlns:p14="http://schemas.microsoft.com/office/powerpoint/2010/main" val="2796300619"/>
+        <p14:creationId xmlns:p14="http://schemas.microsoft.com/office/powerpoint/2010/main" val="2296199004"/>
       </p:ext>
     </p:extLst>
   </p:cSld>
@@ -3988,7 +4112,7 @@
           <p:cNvPr id="2" name="Title 1">
             <a:extLst>
               <a:ext uri="{FF2B5EF4-FFF2-40B4-BE49-F238E27FC236}">
-                <a16:creationId xmlns:a16="http://schemas.microsoft.com/office/drawing/2014/main" id="{6C9CE8AE-0A4C-47D4-9A73-FBF494960202}"/>
+                <a16:creationId xmlns:a16="http://schemas.microsoft.com/office/drawing/2014/main" id="{D875817D-9DEB-4B2A-879E-84530D130820}"/>
               </a:ext>
             </a:extLst>
           </p:cNvPr>
@@ -4006,7 +4130,7 @@
           <a:p>
             <a:r>
               <a:rPr lang="en-IN" dirty="0"/>
-              <a:t>GIT DIFF</a:t>
+              <a:t>3.GIT REFLOGS</a:t>
             </a:r>
           </a:p>
         </p:txBody>
@@ -4016,7 +4140,7 @@
           <p:cNvPr id="3" name="Content Placeholder 2">
             <a:extLst>
               <a:ext uri="{FF2B5EF4-FFF2-40B4-BE49-F238E27FC236}">
-                <a16:creationId xmlns:a16="http://schemas.microsoft.com/office/drawing/2014/main" id="{DA184BFF-2829-481A-88CB-187A38F54ADB}"/>
+                <a16:creationId xmlns:a16="http://schemas.microsoft.com/office/drawing/2014/main" id="{E36A6AF2-7E6E-40C6-8B80-94DCB986EA00}"/>
               </a:ext>
             </a:extLst>
           </p:cNvPr>
@@ -4034,7 +4158,24 @@
           <a:p>
             <a:r>
               <a:rPr lang="en-US" dirty="0"/>
-              <a:t>git diff is a multi-use Git command that when executed runs a diff function on Git data sources. These data sources can be commits, branches, files and more. This document will discuss common invocations of git diff and diffing work flow patterns.</a:t>
+              <a:t>Git keeps track of updates to the tip of branches using a mechanism called reference logs, or "</a:t>
+            </a:r>
+            <a:r>
+              <a:rPr lang="en-US" dirty="0" err="1"/>
+              <a:t>reflogs</a:t>
+            </a:r>
+            <a:r>
+              <a:rPr lang="en-US" dirty="0"/>
+              <a:t>." Many Git commands accept a parameter for specifying a reference or "ref", which is a pointer to a commit. Common examples include: git checkout.</a:t>
+            </a:r>
+          </a:p>
+          <a:p>
+            <a:endParaRPr lang="en-US" dirty="0"/>
+          </a:p>
+          <a:p>
+            <a:r>
+              <a:rPr lang="en-US" dirty="0"/>
+              <a:t>It gives us the track of our all commits made till now, then we can use it to move between them</a:t>
             </a:r>
             <a:endParaRPr lang="en-IN" dirty="0"/>
           </a:p>
@@ -4043,7 +4184,7 @@
     </p:spTree>
     <p:extLst>
       <p:ext uri="{BB962C8B-B14F-4D97-AF65-F5344CB8AC3E}">
-        <p14:creationId xmlns:p14="http://schemas.microsoft.com/office/powerpoint/2010/main" val="551950138"/>
+        <p14:creationId xmlns:p14="http://schemas.microsoft.com/office/powerpoint/2010/main" val="2796300619"/>
       </p:ext>
     </p:extLst>
   </p:cSld>
@@ -4075,6 +4216,93 @@
           <p:cNvPr id="2" name="Title 1">
             <a:extLst>
               <a:ext uri="{FF2B5EF4-FFF2-40B4-BE49-F238E27FC236}">
+                <a16:creationId xmlns:a16="http://schemas.microsoft.com/office/drawing/2014/main" id="{6C9CE8AE-0A4C-47D4-9A73-FBF494960202}"/>
+              </a:ext>
+            </a:extLst>
+          </p:cNvPr>
+          <p:cNvSpPr>
+            <a:spLocks noGrp="1"/>
+          </p:cNvSpPr>
+          <p:nvPr>
+            <p:ph type="title"/>
+          </p:nvPr>
+        </p:nvSpPr>
+        <p:spPr/>
+        <p:txBody>
+          <a:bodyPr/>
+          <a:lstStyle/>
+          <a:p>
+            <a:r>
+              <a:rPr lang="en-IN" dirty="0"/>
+              <a:t>4.GIT DIFF</a:t>
+            </a:r>
+          </a:p>
+        </p:txBody>
+      </p:sp>
+      <p:sp>
+        <p:nvSpPr>
+          <p:cNvPr id="3" name="Content Placeholder 2">
+            <a:extLst>
+              <a:ext uri="{FF2B5EF4-FFF2-40B4-BE49-F238E27FC236}">
+                <a16:creationId xmlns:a16="http://schemas.microsoft.com/office/drawing/2014/main" id="{DA184BFF-2829-481A-88CB-187A38F54ADB}"/>
+              </a:ext>
+            </a:extLst>
+          </p:cNvPr>
+          <p:cNvSpPr>
+            <a:spLocks noGrp="1"/>
+          </p:cNvSpPr>
+          <p:nvPr>
+            <p:ph idx="1"/>
+          </p:nvPr>
+        </p:nvSpPr>
+        <p:spPr/>
+        <p:txBody>
+          <a:bodyPr/>
+          <a:lstStyle/>
+          <a:p>
+            <a:r>
+              <a:rPr lang="en-US" dirty="0"/>
+              <a:t>git diff is a multi-use Git command that when executed runs a diff function on Git data sources. These data sources can be commits, branches, files and more. This document will discuss common invocations of git diff and diffing work flow patterns.</a:t>
+            </a:r>
+            <a:endParaRPr lang="en-IN" dirty="0"/>
+          </a:p>
+        </p:txBody>
+      </p:sp>
+    </p:spTree>
+    <p:extLst>
+      <p:ext uri="{BB962C8B-B14F-4D97-AF65-F5344CB8AC3E}">
+        <p14:creationId xmlns:p14="http://schemas.microsoft.com/office/powerpoint/2010/main" val="551950138"/>
+      </p:ext>
+    </p:extLst>
+  </p:cSld>
+  <p:clrMapOvr>
+    <a:masterClrMapping/>
+  </p:clrMapOvr>
+</p:sld>
+</file>
+
+<file path=ppt/slides/slide8.xml><?xml version="1.0" encoding="utf-8"?>
+<p:sld xmlns:a="http://schemas.openxmlformats.org/drawingml/2006/main" xmlns:r="http://schemas.openxmlformats.org/officeDocument/2006/relationships" xmlns:p="http://schemas.openxmlformats.org/presentationml/2006/main">
+  <p:cSld>
+    <p:spTree>
+      <p:nvGrpSpPr>
+        <p:cNvPr id="1" name=""/>
+        <p:cNvGrpSpPr/>
+        <p:nvPr/>
+      </p:nvGrpSpPr>
+      <p:grpSpPr>
+        <a:xfrm>
+          <a:off x="0" y="0"/>
+          <a:ext cx="0" cy="0"/>
+          <a:chOff x="0" y="0"/>
+          <a:chExt cx="0" cy="0"/>
+        </a:xfrm>
+      </p:grpSpPr>
+      <p:sp>
+        <p:nvSpPr>
+          <p:cNvPr id="2" name="Title 1">
+            <a:extLst>
+              <a:ext uri="{FF2B5EF4-FFF2-40B4-BE49-F238E27FC236}">
                 <a16:creationId xmlns:a16="http://schemas.microsoft.com/office/drawing/2014/main" id="{A0A282F3-F940-4819-A73A-10A60BB34A3D}"/>
               </a:ext>
             </a:extLst>
@@ -4098,7 +4326,7 @@
           <a:p>
             <a:r>
               <a:rPr lang="en-IN" dirty="0"/>
-              <a:t>GIT SWITCH</a:t>
+              <a:t>5.GIT SWITCH</a:t>
             </a:r>
           </a:p>
         </p:txBody>
@@ -4181,7 +4409,7 @@
 </p:sld>
 </file>
 
-<file path=ppt/slides/slide8.xml><?xml version="1.0" encoding="utf-8"?>
+<file path=ppt/slides/slide9.xml><?xml version="1.0" encoding="utf-8"?>
 <p:sld xmlns:a="http://schemas.openxmlformats.org/drawingml/2006/main" xmlns:r="http://schemas.openxmlformats.org/officeDocument/2006/relationships" xmlns:p="http://schemas.openxmlformats.org/presentationml/2006/main">
   <p:cSld>
     <p:spTree>
@@ -4221,7 +4449,7 @@
           <a:p>
             <a:r>
               <a:rPr lang="en-US" dirty="0"/>
-              <a:t>What is GIT Rebase?</a:t>
+              <a:t>6.GIT REBASE</a:t>
             </a:r>
             <a:endParaRPr lang="en-IN" dirty="0"/>
           </a:p>
@@ -4296,129 +4524,6 @@
     <p:extLst>
       <p:ext uri="{BB962C8B-B14F-4D97-AF65-F5344CB8AC3E}">
         <p14:creationId xmlns:p14="http://schemas.microsoft.com/office/powerpoint/2010/main" val="175710651"/>
-      </p:ext>
-    </p:extLst>
-  </p:cSld>
-  <p:clrMapOvr>
-    <a:masterClrMapping/>
-  </p:clrMapOvr>
-</p:sld>
-</file>
-
-<file path=ppt/slides/slide9.xml><?xml version="1.0" encoding="utf-8"?>
-<p:sld xmlns:a="http://schemas.openxmlformats.org/drawingml/2006/main" xmlns:r="http://schemas.openxmlformats.org/officeDocument/2006/relationships" xmlns:p="http://schemas.openxmlformats.org/presentationml/2006/main">
-  <p:cSld>
-    <p:spTree>
-      <p:nvGrpSpPr>
-        <p:cNvPr id="1" name=""/>
-        <p:cNvGrpSpPr/>
-        <p:nvPr/>
-      </p:nvGrpSpPr>
-      <p:grpSpPr>
-        <a:xfrm>
-          <a:off x="0" y="0"/>
-          <a:ext cx="0" cy="0"/>
-          <a:chOff x="0" y="0"/>
-          <a:chExt cx="0" cy="0"/>
-        </a:xfrm>
-      </p:grpSpPr>
-      <p:sp>
-        <p:nvSpPr>
-          <p:cNvPr id="2" name="Title 1">
-            <a:extLst>
-              <a:ext uri="{FF2B5EF4-FFF2-40B4-BE49-F238E27FC236}">
-                <a16:creationId xmlns:a16="http://schemas.microsoft.com/office/drawing/2014/main" id="{D43A1D77-BC14-446C-ADCE-B797BAAD74F5}"/>
-              </a:ext>
-            </a:extLst>
-          </p:cNvPr>
-          <p:cNvSpPr>
-            <a:spLocks noGrp="1"/>
-          </p:cNvSpPr>
-          <p:nvPr>
-            <p:ph type="title"/>
-          </p:nvPr>
-        </p:nvSpPr>
-        <p:spPr/>
-        <p:txBody>
-          <a:bodyPr/>
-          <a:lstStyle/>
-          <a:p>
-            <a:r>
-              <a:rPr lang="en-IN" dirty="0"/>
-              <a:t>GIT CHERRY-PICK</a:t>
-            </a:r>
-          </a:p>
-        </p:txBody>
-      </p:sp>
-      <p:sp>
-        <p:nvSpPr>
-          <p:cNvPr id="3" name="Content Placeholder 2">
-            <a:extLst>
-              <a:ext uri="{FF2B5EF4-FFF2-40B4-BE49-F238E27FC236}">
-                <a16:creationId xmlns:a16="http://schemas.microsoft.com/office/drawing/2014/main" id="{A5027128-2E97-4EB5-A207-1EF23E411C02}"/>
-              </a:ext>
-            </a:extLst>
-          </p:cNvPr>
-          <p:cNvSpPr>
-            <a:spLocks noGrp="1"/>
-          </p:cNvSpPr>
-          <p:nvPr>
-            <p:ph idx="1"/>
-          </p:nvPr>
-        </p:nvSpPr>
-        <p:spPr/>
-        <p:txBody>
-          <a:bodyPr/>
-          <a:lstStyle/>
-          <a:p>
-            <a:r>
-              <a:rPr lang="en-US" dirty="0"/>
-              <a:t>git cherry-pick is a powerful command that enables arbitrary Git commits to be picked by reference and appended to the current working HEAD. Cherry picking is the act of picking a commit from a branch and applying it to another. git cherry-pick can be useful for undoing changes.</a:t>
-            </a:r>
-            <a:endParaRPr lang="en-IN" dirty="0"/>
-          </a:p>
-        </p:txBody>
-      </p:sp>
-      <p:pic>
-        <p:nvPicPr>
-          <p:cNvPr id="5" name="Picture 4">
-            <a:extLst>
-              <a:ext uri="{FF2B5EF4-FFF2-40B4-BE49-F238E27FC236}">
-                <a16:creationId xmlns:a16="http://schemas.microsoft.com/office/drawing/2014/main" id="{1008A632-6107-4D88-9A83-B3CE4DE93247}"/>
-              </a:ext>
-            </a:extLst>
-          </p:cNvPr>
-          <p:cNvPicPr>
-            <a:picLocks noChangeAspect="1"/>
-          </p:cNvPicPr>
-          <p:nvPr/>
-        </p:nvPicPr>
-        <p:blipFill>
-          <a:blip r:embed="rId2">
-            <a:extLst>
-              <a:ext uri="{28A0092B-C50C-407E-A947-70E740481C1C}">
-                <a14:useLocalDpi xmlns:a14="http://schemas.microsoft.com/office/drawing/2010/main" val="0"/>
-              </a:ext>
-            </a:extLst>
-          </a:blip>
-          <a:stretch>
-            <a:fillRect/>
-          </a:stretch>
-        </p:blipFill>
-        <p:spPr>
-          <a:xfrm>
-            <a:off x="4052047" y="3693459"/>
-            <a:ext cx="5829299" cy="2914650"/>
-          </a:xfrm>
-          <a:prstGeom prst="rect">
-            <a:avLst/>
-          </a:prstGeom>
-        </p:spPr>
-      </p:pic>
-    </p:spTree>
-    <p:extLst>
-      <p:ext uri="{BB962C8B-B14F-4D97-AF65-F5344CB8AC3E}">
-        <p14:creationId xmlns:p14="http://schemas.microsoft.com/office/powerpoint/2010/main" val="94113559"/>
       </p:ext>
     </p:extLst>
   </p:cSld>
